--- a/Done/Презентация.pptx
+++ b/Done/Презентация.pptx
@@ -4314,7 +4314,15 @@
             </a:pPr>
             <a:r>
               <a:rPr lang="ru-RU" dirty="0" smtClean="0"/>
-              <a:t> В боте присутствует пять режимов игры, команды на остановку игры, сводку по каждой стране, возможно также на настраивание ролей, помощи по боту </a:t>
+              <a:t> В боте присутствует </a:t>
+            </a:r>
+            <a:r>
+              <a:rPr lang="ru-RU" dirty="0" smtClean="0"/>
+              <a:t>4(четыре) режима </a:t>
+            </a:r>
+            <a:r>
+              <a:rPr lang="ru-RU" dirty="0" smtClean="0"/>
+              <a:t>игры, команды на остановку игры, сводку по каждой стране, возможно также на настраивание ролей, помощи по боту </a:t>
             </a:r>
             <a:r>
               <a:rPr lang="ru-RU" dirty="0" smtClean="0"/>
@@ -4416,11 +4424,33 @@
             </a:pPr>
             <a:r>
               <a:rPr lang="ru-RU" dirty="0" smtClean="0"/>
-              <a:t>	Бот работает прекрасно, как я и задумывал, вот только пока нет некоторых команд, и режима игры с контуром страны, но все это поправимо в </a:t>
-            </a:r>
-            <a:r>
-              <a:rPr lang="ru-RU" smtClean="0"/>
-              <a:t>течение времени</a:t>
+              <a:t>	Бот работает прекрасно, как я и </a:t>
+            </a:r>
+            <a:r>
+              <a:rPr lang="ru-RU" dirty="0" smtClean="0"/>
+              <a:t>задумывал</a:t>
+            </a:r>
+            <a:r>
+              <a:rPr lang="en-US" dirty="0" smtClean="0"/>
+              <a:t> </a:t>
+            </a:r>
+          </a:p>
+          <a:p>
+            <a:pPr>
+              <a:buNone/>
+            </a:pPr>
+            <a:r>
+              <a:rPr lang="ru-RU" dirty="0" smtClean="0"/>
+              <a:t>ВСЕ ПРЕКРАСНО</a:t>
+            </a:r>
+          </a:p>
+          <a:p>
+            <a:pPr>
+              <a:buNone/>
+            </a:pPr>
+            <a:r>
+              <a:rPr lang="ru-RU" dirty="0" smtClean="0"/>
+              <a:t>ВСЕ ЧЕТЫРЕ ИГРЫ РАБОТАЮТ </a:t>
             </a:r>
             <a:endParaRPr lang="ru-RU" dirty="0"/>
           </a:p>
